--- a/M6_MachineLearning/2_aprendizaje_supervisado.pptx
+++ b/M6_MachineLearning/2_aprendizaje_supervisado.pptx
@@ -5,8 +5,19 @@
     <p:sldMasterId id="2147483648" r:id="rId1"/>
   </p:sldMasterIdLst>
   <p:sldIdLst>
-    <p:sldId id="256" r:id="rId2"/>
-    <p:sldId id="257" r:id="rId3"/>
+    <p:sldId id="257" r:id="rId2"/>
+    <p:sldId id="258" r:id="rId3"/>
+    <p:sldId id="259" r:id="rId4"/>
+    <p:sldId id="260" r:id="rId5"/>
+    <p:sldId id="261" r:id="rId6"/>
+    <p:sldId id="262" r:id="rId7"/>
+    <p:sldId id="263" r:id="rId8"/>
+    <p:sldId id="264" r:id="rId9"/>
+    <p:sldId id="266" r:id="rId10"/>
+    <p:sldId id="267" r:id="rId11"/>
+    <p:sldId id="268" r:id="rId12"/>
+    <p:sldId id="269" r:id="rId13"/>
+    <p:sldId id="265" r:id="rId14"/>
   </p:sldIdLst>
   <p:sldSz cx="12192000" cy="6858000"/>
   <p:notesSz cx="6858000" cy="9144000"/>
@@ -105,6 +116,11 @@
       </a:defRPr>
     </a:lvl9pPr>
   </p:defaultTextStyle>
+  <p:extLst>
+    <p:ext uri="{EFAFB233-063F-42B5-8137-9DF3F51BA10A}">
+      <p15:sldGuideLst xmlns:p15="http://schemas.microsoft.com/office/powerpoint/2012/main"/>
+    </p:ext>
+  </p:extLst>
 </p:presentation>
 </file>
 
@@ -257,7 +273,7 @@
           <a:p>
             <a:fld id="{02BAD1F3-6590-4E0C-A0D7-0F84CA70C5B7}" type="datetimeFigureOut">
               <a:rPr lang="es-MX" smtClean="0"/>
-              <a:t>24/09/2024</a:t>
+              <a:t>26/09/2024</a:t>
             </a:fld>
             <a:endParaRPr lang="es-MX"/>
           </a:p>
@@ -457,7 +473,7 @@
           <a:p>
             <a:fld id="{02BAD1F3-6590-4E0C-A0D7-0F84CA70C5B7}" type="datetimeFigureOut">
               <a:rPr lang="es-MX" smtClean="0"/>
-              <a:t>24/09/2024</a:t>
+              <a:t>26/09/2024</a:t>
             </a:fld>
             <a:endParaRPr lang="es-MX"/>
           </a:p>
@@ -667,7 +683,7 @@
           <a:p>
             <a:fld id="{02BAD1F3-6590-4E0C-A0D7-0F84CA70C5B7}" type="datetimeFigureOut">
               <a:rPr lang="es-MX" smtClean="0"/>
-              <a:t>24/09/2024</a:t>
+              <a:t>26/09/2024</a:t>
             </a:fld>
             <a:endParaRPr lang="es-MX"/>
           </a:p>
@@ -867,7 +883,7 @@
           <a:p>
             <a:fld id="{02BAD1F3-6590-4E0C-A0D7-0F84CA70C5B7}" type="datetimeFigureOut">
               <a:rPr lang="es-MX" smtClean="0"/>
-              <a:t>24/09/2024</a:t>
+              <a:t>26/09/2024</a:t>
             </a:fld>
             <a:endParaRPr lang="es-MX"/>
           </a:p>
@@ -1143,7 +1159,7 @@
           <a:p>
             <a:fld id="{02BAD1F3-6590-4E0C-A0D7-0F84CA70C5B7}" type="datetimeFigureOut">
               <a:rPr lang="es-MX" smtClean="0"/>
-              <a:t>24/09/2024</a:t>
+              <a:t>26/09/2024</a:t>
             </a:fld>
             <a:endParaRPr lang="es-MX"/>
           </a:p>
@@ -1411,7 +1427,7 @@
           <a:p>
             <a:fld id="{02BAD1F3-6590-4E0C-A0D7-0F84CA70C5B7}" type="datetimeFigureOut">
               <a:rPr lang="es-MX" smtClean="0"/>
-              <a:t>24/09/2024</a:t>
+              <a:t>26/09/2024</a:t>
             </a:fld>
             <a:endParaRPr lang="es-MX"/>
           </a:p>
@@ -1826,7 +1842,7 @@
           <a:p>
             <a:fld id="{02BAD1F3-6590-4E0C-A0D7-0F84CA70C5B7}" type="datetimeFigureOut">
               <a:rPr lang="es-MX" smtClean="0"/>
-              <a:t>24/09/2024</a:t>
+              <a:t>26/09/2024</a:t>
             </a:fld>
             <a:endParaRPr lang="es-MX"/>
           </a:p>
@@ -1968,7 +1984,7 @@
           <a:p>
             <a:fld id="{02BAD1F3-6590-4E0C-A0D7-0F84CA70C5B7}" type="datetimeFigureOut">
               <a:rPr lang="es-MX" smtClean="0"/>
-              <a:t>24/09/2024</a:t>
+              <a:t>26/09/2024</a:t>
             </a:fld>
             <a:endParaRPr lang="es-MX"/>
           </a:p>
@@ -2081,7 +2097,7 @@
           <a:p>
             <a:fld id="{02BAD1F3-6590-4E0C-A0D7-0F84CA70C5B7}" type="datetimeFigureOut">
               <a:rPr lang="es-MX" smtClean="0"/>
-              <a:t>24/09/2024</a:t>
+              <a:t>26/09/2024</a:t>
             </a:fld>
             <a:endParaRPr lang="es-MX"/>
           </a:p>
@@ -2394,7 +2410,7 @@
           <a:p>
             <a:fld id="{02BAD1F3-6590-4E0C-A0D7-0F84CA70C5B7}" type="datetimeFigureOut">
               <a:rPr lang="es-MX" smtClean="0"/>
-              <a:t>24/09/2024</a:t>
+              <a:t>26/09/2024</a:t>
             </a:fld>
             <a:endParaRPr lang="es-MX"/>
           </a:p>
@@ -2683,7 +2699,7 @@
           <a:p>
             <a:fld id="{02BAD1F3-6590-4E0C-A0D7-0F84CA70C5B7}" type="datetimeFigureOut">
               <a:rPr lang="es-MX" smtClean="0"/>
-              <a:t>24/09/2024</a:t>
+              <a:t>26/09/2024</a:t>
             </a:fld>
             <a:endParaRPr lang="es-MX"/>
           </a:p>
@@ -2926,7 +2942,7 @@
           <a:p>
             <a:fld id="{02BAD1F3-6590-4E0C-A0D7-0F84CA70C5B7}" type="datetimeFigureOut">
               <a:rPr lang="es-MX" smtClean="0"/>
-              <a:t>24/09/2024</a:t>
+              <a:t>26/09/2024</a:t>
             </a:fld>
             <a:endParaRPr lang="es-MX"/>
           </a:p>
@@ -3343,60 +3359,355 @@
           <a:chExt cx="0" cy="0"/>
         </a:xfrm>
       </p:grpSpPr>
-      <p:sp>
-        <p:nvSpPr>
-          <p:cNvPr id="2" name="Título 1">
-            <a:extLst>
-              <a:ext uri="{FF2B5EF4-FFF2-40B4-BE49-F238E27FC236}">
-                <a16:creationId xmlns:a16="http://schemas.microsoft.com/office/drawing/2014/main" id="{198BABC6-C447-22CE-30B4-E0FECAFF667F}"/>
-              </a:ext>
-            </a:extLst>
-          </p:cNvPr>
-          <p:cNvSpPr>
-            <a:spLocks noGrp="1"/>
-          </p:cNvSpPr>
-          <p:nvPr>
-            <p:ph type="ctrTitle"/>
-          </p:nvPr>
-        </p:nvSpPr>
-        <p:spPr/>
-        <p:txBody>
-          <a:bodyPr/>
-          <a:lstStyle/>
-          <a:p>
-            <a:endParaRPr lang="es-MX"/>
-          </a:p>
-        </p:txBody>
-      </p:sp>
-      <p:sp>
-        <p:nvSpPr>
-          <p:cNvPr id="3" name="Subtítulo 2">
-            <a:extLst>
-              <a:ext uri="{FF2B5EF4-FFF2-40B4-BE49-F238E27FC236}">
-                <a16:creationId xmlns:a16="http://schemas.microsoft.com/office/drawing/2014/main" id="{E1F3CF6D-83B7-C875-4970-3B95C448FC48}"/>
-              </a:ext>
-            </a:extLst>
-          </p:cNvPr>
-          <p:cNvSpPr>
-            <a:spLocks noGrp="1"/>
-          </p:cNvSpPr>
-          <p:nvPr>
-            <p:ph type="subTitle" idx="1"/>
-          </p:nvPr>
-        </p:nvSpPr>
-        <p:spPr/>
-        <p:txBody>
-          <a:bodyPr/>
-          <a:lstStyle/>
-          <a:p>
-            <a:endParaRPr lang="es-MX"/>
-          </a:p>
-        </p:txBody>
-      </p:sp>
+      <p:pic>
+        <p:nvPicPr>
+          <p:cNvPr id="5" name="Imagen 4">
+            <a:extLst>
+              <a:ext uri="{FF2B5EF4-FFF2-40B4-BE49-F238E27FC236}">
+                <a16:creationId xmlns:a16="http://schemas.microsoft.com/office/drawing/2014/main" id="{0FE6D17E-6B9C-7EC0-6E3D-8562B6F4A00B}"/>
+              </a:ext>
+            </a:extLst>
+          </p:cNvPr>
+          <p:cNvPicPr>
+            <a:picLocks noChangeAspect="1"/>
+          </p:cNvPicPr>
+          <p:nvPr/>
+        </p:nvPicPr>
+        <p:blipFill>
+          <a:blip r:embed="rId2"/>
+          <a:stretch>
+            <a:fillRect/>
+          </a:stretch>
+        </p:blipFill>
+        <p:spPr>
+          <a:xfrm>
+            <a:off x="592177" y="403092"/>
+            <a:ext cx="10950218" cy="5688425"/>
+          </a:xfrm>
+          <a:prstGeom prst="rect">
+            <a:avLst/>
+          </a:prstGeom>
+        </p:spPr>
+      </p:pic>
     </p:spTree>
     <p:extLst>
       <p:ext uri="{BB962C8B-B14F-4D97-AF65-F5344CB8AC3E}">
-        <p14:creationId xmlns:p14="http://schemas.microsoft.com/office/powerpoint/2010/main" val="414299580"/>
+        <p14:creationId xmlns:p14="http://schemas.microsoft.com/office/powerpoint/2010/main" val="2998071818"/>
+      </p:ext>
+    </p:extLst>
+  </p:cSld>
+  <p:clrMapOvr>
+    <a:masterClrMapping/>
+  </p:clrMapOvr>
+</p:sld>
+</file>
+
+<file path=ppt/slides/slide10.xml><?xml version="1.0" encoding="utf-8"?>
+<p:sld xmlns:a="http://schemas.openxmlformats.org/drawingml/2006/main" xmlns:r="http://schemas.openxmlformats.org/officeDocument/2006/relationships" xmlns:p="http://schemas.openxmlformats.org/presentationml/2006/main">
+  <p:cSld>
+    <p:spTree>
+      <p:nvGrpSpPr>
+        <p:cNvPr id="1" name=""/>
+        <p:cNvGrpSpPr/>
+        <p:nvPr/>
+      </p:nvGrpSpPr>
+      <p:grpSpPr>
+        <a:xfrm>
+          <a:off x="0" y="0"/>
+          <a:ext cx="0" cy="0"/>
+          <a:chOff x="0" y="0"/>
+          <a:chExt cx="0" cy="0"/>
+        </a:xfrm>
+      </p:grpSpPr>
+      <p:pic>
+        <p:nvPicPr>
+          <p:cNvPr id="3" name="Imagen 2">
+            <a:extLst>
+              <a:ext uri="{FF2B5EF4-FFF2-40B4-BE49-F238E27FC236}">
+                <a16:creationId xmlns:a16="http://schemas.microsoft.com/office/drawing/2014/main" id="{2D064DBA-B254-9822-2226-B11879089791}"/>
+              </a:ext>
+            </a:extLst>
+          </p:cNvPr>
+          <p:cNvPicPr>
+            <a:picLocks noChangeAspect="1"/>
+          </p:cNvPicPr>
+          <p:nvPr/>
+        </p:nvPicPr>
+        <p:blipFill>
+          <a:blip r:embed="rId2"/>
+          <a:stretch>
+            <a:fillRect/>
+          </a:stretch>
+        </p:blipFill>
+        <p:spPr>
+          <a:xfrm>
+            <a:off x="310058" y="749927"/>
+            <a:ext cx="11571884" cy="5358146"/>
+          </a:xfrm>
+          <a:prstGeom prst="rect">
+            <a:avLst/>
+          </a:prstGeom>
+        </p:spPr>
+      </p:pic>
+    </p:spTree>
+    <p:extLst>
+      <p:ext uri="{BB962C8B-B14F-4D97-AF65-F5344CB8AC3E}">
+        <p14:creationId xmlns:p14="http://schemas.microsoft.com/office/powerpoint/2010/main" val="291899395"/>
+      </p:ext>
+    </p:extLst>
+  </p:cSld>
+  <p:clrMapOvr>
+    <a:masterClrMapping/>
+  </p:clrMapOvr>
+</p:sld>
+</file>
+
+<file path=ppt/slides/slide11.xml><?xml version="1.0" encoding="utf-8"?>
+<p:sld xmlns:a="http://schemas.openxmlformats.org/drawingml/2006/main" xmlns:r="http://schemas.openxmlformats.org/officeDocument/2006/relationships" xmlns:p="http://schemas.openxmlformats.org/presentationml/2006/main">
+  <p:cSld>
+    <p:spTree>
+      <p:nvGrpSpPr>
+        <p:cNvPr id="1" name=""/>
+        <p:cNvGrpSpPr/>
+        <p:nvPr/>
+      </p:nvGrpSpPr>
+      <p:grpSpPr>
+        <a:xfrm>
+          <a:off x="0" y="0"/>
+          <a:ext cx="0" cy="0"/>
+          <a:chOff x="0" y="0"/>
+          <a:chExt cx="0" cy="0"/>
+        </a:xfrm>
+      </p:grpSpPr>
+      <p:sp>
+        <p:nvSpPr>
+          <p:cNvPr id="3" name="Marcador de contenido 2">
+            <a:extLst>
+              <a:ext uri="{FF2B5EF4-FFF2-40B4-BE49-F238E27FC236}">
+                <a16:creationId xmlns:a16="http://schemas.microsoft.com/office/drawing/2014/main" id="{B18C9F72-6DDA-B91F-1DE8-7530DC7D4A87}"/>
+              </a:ext>
+            </a:extLst>
+          </p:cNvPr>
+          <p:cNvSpPr>
+            <a:spLocks noGrp="1"/>
+          </p:cNvSpPr>
+          <p:nvPr>
+            <p:ph idx="1"/>
+          </p:nvPr>
+        </p:nvSpPr>
+        <p:spPr>
+          <a:xfrm>
+            <a:off x="773206" y="653558"/>
+            <a:ext cx="10992970" cy="5827923"/>
+          </a:xfrm>
+        </p:spPr>
+        <p:txBody>
+          <a:bodyPr>
+            <a:normAutofit fontScale="92500" lnSpcReduction="10000"/>
+          </a:bodyPr>
+          <a:lstStyle/>
+          <a:p>
+            <a:pPr marL="0" indent="0">
+              <a:buNone/>
+            </a:pPr>
+            <a:r>
+              <a:rPr lang="es-MX" b="0" i="0" dirty="0" err="1">
+                <a:solidFill>
+                  <a:srgbClr val="00B050"/>
+                </a:solidFill>
+                <a:effectLst/>
+                <a:latin typeface="-apple-system"/>
+              </a:rPr>
+              <a:t>PolynomialFeatures</a:t>
+            </a:r>
+            <a:endParaRPr lang="es-MX" dirty="0">
+              <a:solidFill>
+                <a:srgbClr val="00B050"/>
+              </a:solidFill>
+              <a:hlinkClick r:id="rId2">
+                <a:extLst>
+                  <a:ext uri="{A12FA001-AC4F-418D-AE19-62706E023703}">
+                    <ahyp:hlinkClr xmlns:ahyp="http://schemas.microsoft.com/office/drawing/2018/hyperlinkcolor" val="tx"/>
+                  </a:ext>
+                </a:extLst>
+              </a:hlinkClick>
+            </a:endParaRPr>
+          </a:p>
+          <a:p>
+            <a:r>
+              <a:rPr lang="es-MX" dirty="0">
+                <a:hlinkClick r:id="rId2"/>
+              </a:rPr>
+              <a:t>https://scikit-learn.org/stable/modules/generated/sklearn.preprocessing.PolynomialFeatures.html</a:t>
+            </a:r>
+            <a:endParaRPr lang="es-MX" dirty="0"/>
+          </a:p>
+          <a:p>
+            <a:endParaRPr lang="es-MX" dirty="0"/>
+          </a:p>
+          <a:p>
+            <a:pPr marL="0" indent="0">
+              <a:buNone/>
+            </a:pPr>
+            <a:r>
+              <a:rPr lang="es-MX" b="0" i="0" dirty="0" err="1">
+                <a:solidFill>
+                  <a:srgbClr val="00B050"/>
+                </a:solidFill>
+                <a:effectLst/>
+                <a:latin typeface="-apple-system"/>
+              </a:rPr>
+              <a:t>LogisticRegression</a:t>
+            </a:r>
+            <a:endParaRPr lang="es-MX" dirty="0">
+              <a:solidFill>
+                <a:srgbClr val="00B050"/>
+              </a:solidFill>
+            </a:endParaRPr>
+          </a:p>
+          <a:p>
+            <a:r>
+              <a:rPr lang="es-MX" dirty="0">
+                <a:hlinkClick r:id="rId3"/>
+              </a:rPr>
+              <a:t>https://scikit-learn.org/stable/modules/generated/sklearn.linear_model.LogisticRegression.html</a:t>
+            </a:r>
+            <a:endParaRPr lang="es-MX" dirty="0"/>
+          </a:p>
+          <a:p>
+            <a:pPr marL="0" indent="0">
+              <a:buNone/>
+            </a:pPr>
+            <a:endParaRPr lang="es-MX" dirty="0"/>
+          </a:p>
+          <a:p>
+            <a:pPr marL="0" indent="0">
+              <a:buNone/>
+            </a:pPr>
+            <a:r>
+              <a:rPr lang="es-MX" b="0" i="0" dirty="0" err="1">
+                <a:solidFill>
+                  <a:srgbClr val="00B050"/>
+                </a:solidFill>
+                <a:effectLst/>
+                <a:latin typeface="-apple-system"/>
+              </a:rPr>
+              <a:t>LinearDiscriminantAnalysis</a:t>
+            </a:r>
+            <a:endParaRPr lang="es-MX" dirty="0">
+              <a:solidFill>
+                <a:srgbClr val="00B050"/>
+              </a:solidFill>
+            </a:endParaRPr>
+          </a:p>
+          <a:p>
+            <a:r>
+              <a:rPr lang="es-MX" dirty="0">
+                <a:hlinkClick r:id="rId4"/>
+              </a:rPr>
+              <a:t>https://scikit-learn.org/stable/modules/generated/sklearn.discriminant_analysis.LinearDiscriminantAnalysis.html</a:t>
+            </a:r>
+            <a:endParaRPr lang="es-MX" dirty="0"/>
+          </a:p>
+          <a:p>
+            <a:endParaRPr lang="es-MX" dirty="0"/>
+          </a:p>
+        </p:txBody>
+      </p:sp>
+    </p:spTree>
+    <p:extLst>
+      <p:ext uri="{BB962C8B-B14F-4D97-AF65-F5344CB8AC3E}">
+        <p14:creationId xmlns:p14="http://schemas.microsoft.com/office/powerpoint/2010/main" val="3746545410"/>
+      </p:ext>
+    </p:extLst>
+  </p:cSld>
+  <p:clrMapOvr>
+    <a:masterClrMapping/>
+  </p:clrMapOvr>
+</p:sld>
+</file>
+
+<file path=ppt/slides/slide12.xml><?xml version="1.0" encoding="utf-8"?>
+<p:sld xmlns:a="http://schemas.openxmlformats.org/drawingml/2006/main" xmlns:r="http://schemas.openxmlformats.org/officeDocument/2006/relationships" xmlns:p="http://schemas.openxmlformats.org/presentationml/2006/main">
+  <p:cSld>
+    <p:spTree>
+      <p:nvGrpSpPr>
+        <p:cNvPr id="1" name=""/>
+        <p:cNvGrpSpPr/>
+        <p:nvPr/>
+      </p:nvGrpSpPr>
+      <p:grpSpPr>
+        <a:xfrm>
+          <a:off x="0" y="0"/>
+          <a:ext cx="0" cy="0"/>
+          <a:chOff x="0" y="0"/>
+          <a:chExt cx="0" cy="0"/>
+        </a:xfrm>
+      </p:grpSpPr>
+      <p:pic>
+        <p:nvPicPr>
+          <p:cNvPr id="5" name="Imagen 4">
+            <a:extLst>
+              <a:ext uri="{FF2B5EF4-FFF2-40B4-BE49-F238E27FC236}">
+                <a16:creationId xmlns:a16="http://schemas.microsoft.com/office/drawing/2014/main" id="{0FE6D17E-6B9C-7EC0-6E3D-8562B6F4A00B}"/>
+              </a:ext>
+            </a:extLst>
+          </p:cNvPr>
+          <p:cNvPicPr>
+            <a:picLocks noChangeAspect="1"/>
+          </p:cNvPicPr>
+          <p:nvPr/>
+        </p:nvPicPr>
+        <p:blipFill>
+          <a:blip r:embed="rId2"/>
+          <a:stretch>
+            <a:fillRect/>
+          </a:stretch>
+        </p:blipFill>
+        <p:spPr>
+          <a:xfrm>
+            <a:off x="592177" y="403092"/>
+            <a:ext cx="10950218" cy="5688425"/>
+          </a:xfrm>
+          <a:prstGeom prst="rect">
+            <a:avLst/>
+          </a:prstGeom>
+        </p:spPr>
+      </p:pic>
+    </p:spTree>
+    <p:extLst>
+      <p:ext uri="{BB962C8B-B14F-4D97-AF65-F5344CB8AC3E}">
+        <p14:creationId xmlns:p14="http://schemas.microsoft.com/office/powerpoint/2010/main" val="2486681689"/>
+      </p:ext>
+    </p:extLst>
+  </p:cSld>
+  <p:clrMapOvr>
+    <a:masterClrMapping/>
+  </p:clrMapOvr>
+</p:sld>
+</file>
+
+<file path=ppt/slides/slide13.xml><?xml version="1.0" encoding="utf-8"?>
+<p:sld xmlns:a="http://schemas.openxmlformats.org/drawingml/2006/main" xmlns:r="http://schemas.openxmlformats.org/officeDocument/2006/relationships" xmlns:p="http://schemas.openxmlformats.org/presentationml/2006/main">
+  <p:cSld>
+    <p:spTree>
+      <p:nvGrpSpPr>
+        <p:cNvPr id="1" name=""/>
+        <p:cNvGrpSpPr/>
+        <p:nvPr/>
+      </p:nvGrpSpPr>
+      <p:grpSpPr>
+        <a:xfrm>
+          <a:off x="0" y="0"/>
+          <a:ext cx="0" cy="0"/>
+          <a:chOff x="0" y="0"/>
+          <a:chExt cx="0" cy="0"/>
+        </a:xfrm>
+      </p:grpSpPr>
+    </p:spTree>
+    <p:extLst>
+      <p:ext uri="{BB962C8B-B14F-4D97-AF65-F5344CB8AC3E}">
+        <p14:creationId xmlns:p14="http://schemas.microsoft.com/office/powerpoint/2010/main" val="2688802310"/>
       </p:ext>
     </p:extLst>
   </p:cSld>
@@ -3423,60 +3734,460 @@
           <a:chExt cx="0" cy="0"/>
         </a:xfrm>
       </p:grpSpPr>
-      <p:sp>
-        <p:nvSpPr>
-          <p:cNvPr id="2" name="Título 1">
-            <a:extLst>
-              <a:ext uri="{FF2B5EF4-FFF2-40B4-BE49-F238E27FC236}">
-                <a16:creationId xmlns:a16="http://schemas.microsoft.com/office/drawing/2014/main" id="{30A1D410-0630-16E3-3901-F4BF6F1C3C60}"/>
-              </a:ext>
-            </a:extLst>
-          </p:cNvPr>
-          <p:cNvSpPr>
-            <a:spLocks noGrp="1"/>
-          </p:cNvSpPr>
-          <p:nvPr>
-            <p:ph type="title"/>
-          </p:nvPr>
-        </p:nvSpPr>
-        <p:spPr/>
-        <p:txBody>
-          <a:bodyPr/>
-          <a:lstStyle/>
-          <a:p>
-            <a:endParaRPr lang="es-MX"/>
-          </a:p>
-        </p:txBody>
-      </p:sp>
-      <p:sp>
-        <p:nvSpPr>
-          <p:cNvPr id="3" name="Marcador de contenido 2">
-            <a:extLst>
-              <a:ext uri="{FF2B5EF4-FFF2-40B4-BE49-F238E27FC236}">
-                <a16:creationId xmlns:a16="http://schemas.microsoft.com/office/drawing/2014/main" id="{256BB712-A030-FE06-328D-76E1F9837965}"/>
-              </a:ext>
-            </a:extLst>
-          </p:cNvPr>
-          <p:cNvSpPr>
-            <a:spLocks noGrp="1"/>
-          </p:cNvSpPr>
-          <p:nvPr>
-            <p:ph idx="1"/>
-          </p:nvPr>
-        </p:nvSpPr>
-        <p:spPr/>
-        <p:txBody>
-          <a:bodyPr/>
-          <a:lstStyle/>
-          <a:p>
-            <a:endParaRPr lang="es-MX"/>
-          </a:p>
-        </p:txBody>
-      </p:sp>
+      <p:pic>
+        <p:nvPicPr>
+          <p:cNvPr id="5" name="Imagen 4">
+            <a:extLst>
+              <a:ext uri="{FF2B5EF4-FFF2-40B4-BE49-F238E27FC236}">
+                <a16:creationId xmlns:a16="http://schemas.microsoft.com/office/drawing/2014/main" id="{722354E9-FFC1-FB7B-EBC5-88BA7995D486}"/>
+              </a:ext>
+            </a:extLst>
+          </p:cNvPr>
+          <p:cNvPicPr>
+            <a:picLocks noChangeAspect="1"/>
+          </p:cNvPicPr>
+          <p:nvPr/>
+        </p:nvPicPr>
+        <p:blipFill>
+          <a:blip r:embed="rId2"/>
+          <a:stretch>
+            <a:fillRect/>
+          </a:stretch>
+        </p:blipFill>
+        <p:spPr>
+          <a:xfrm>
+            <a:off x="427880" y="403949"/>
+            <a:ext cx="11336239" cy="6050102"/>
+          </a:xfrm>
+          <a:prstGeom prst="rect">
+            <a:avLst/>
+          </a:prstGeom>
+        </p:spPr>
+      </p:pic>
     </p:spTree>
     <p:extLst>
       <p:ext uri="{BB962C8B-B14F-4D97-AF65-F5344CB8AC3E}">
-        <p14:creationId xmlns:p14="http://schemas.microsoft.com/office/powerpoint/2010/main" val="2998071818"/>
+        <p14:creationId xmlns:p14="http://schemas.microsoft.com/office/powerpoint/2010/main" val="1859662485"/>
+      </p:ext>
+    </p:extLst>
+  </p:cSld>
+  <p:clrMapOvr>
+    <a:masterClrMapping/>
+  </p:clrMapOvr>
+</p:sld>
+</file>
+
+<file path=ppt/slides/slide3.xml><?xml version="1.0" encoding="utf-8"?>
+<p:sld xmlns:a="http://schemas.openxmlformats.org/drawingml/2006/main" xmlns:r="http://schemas.openxmlformats.org/officeDocument/2006/relationships" xmlns:p="http://schemas.openxmlformats.org/presentationml/2006/main">
+  <p:cSld>
+    <p:spTree>
+      <p:nvGrpSpPr>
+        <p:cNvPr id="1" name=""/>
+        <p:cNvGrpSpPr/>
+        <p:nvPr/>
+      </p:nvGrpSpPr>
+      <p:grpSpPr>
+        <a:xfrm>
+          <a:off x="0" y="0"/>
+          <a:ext cx="0" cy="0"/>
+          <a:chOff x="0" y="0"/>
+          <a:chExt cx="0" cy="0"/>
+        </a:xfrm>
+      </p:grpSpPr>
+      <p:pic>
+        <p:nvPicPr>
+          <p:cNvPr id="5" name="Imagen 4">
+            <a:extLst>
+              <a:ext uri="{FF2B5EF4-FFF2-40B4-BE49-F238E27FC236}">
+                <a16:creationId xmlns:a16="http://schemas.microsoft.com/office/drawing/2014/main" id="{1271F3DB-FB09-E673-B42A-BE8036C66719}"/>
+              </a:ext>
+            </a:extLst>
+          </p:cNvPr>
+          <p:cNvPicPr>
+            <a:picLocks noChangeAspect="1"/>
+          </p:cNvPicPr>
+          <p:nvPr/>
+        </p:nvPicPr>
+        <p:blipFill>
+          <a:blip r:embed="rId2"/>
+          <a:stretch>
+            <a:fillRect/>
+          </a:stretch>
+        </p:blipFill>
+        <p:spPr>
+          <a:xfrm>
+            <a:off x="865013" y="479239"/>
+            <a:ext cx="10461974" cy="5899521"/>
+          </a:xfrm>
+          <a:prstGeom prst="rect">
+            <a:avLst/>
+          </a:prstGeom>
+        </p:spPr>
+      </p:pic>
+    </p:spTree>
+    <p:extLst>
+      <p:ext uri="{BB962C8B-B14F-4D97-AF65-F5344CB8AC3E}">
+        <p14:creationId xmlns:p14="http://schemas.microsoft.com/office/powerpoint/2010/main" val="3613478807"/>
+      </p:ext>
+    </p:extLst>
+  </p:cSld>
+  <p:clrMapOvr>
+    <a:masterClrMapping/>
+  </p:clrMapOvr>
+</p:sld>
+</file>
+
+<file path=ppt/slides/slide4.xml><?xml version="1.0" encoding="utf-8"?>
+<p:sld xmlns:a="http://schemas.openxmlformats.org/drawingml/2006/main" xmlns:r="http://schemas.openxmlformats.org/officeDocument/2006/relationships" xmlns:p="http://schemas.openxmlformats.org/presentationml/2006/main">
+  <p:cSld>
+    <p:spTree>
+      <p:nvGrpSpPr>
+        <p:cNvPr id="1" name=""/>
+        <p:cNvGrpSpPr/>
+        <p:nvPr/>
+      </p:nvGrpSpPr>
+      <p:grpSpPr>
+        <a:xfrm>
+          <a:off x="0" y="0"/>
+          <a:ext cx="0" cy="0"/>
+          <a:chOff x="0" y="0"/>
+          <a:chExt cx="0" cy="0"/>
+        </a:xfrm>
+      </p:grpSpPr>
+      <p:pic>
+        <p:nvPicPr>
+          <p:cNvPr id="5" name="Imagen 4">
+            <a:extLst>
+              <a:ext uri="{FF2B5EF4-FFF2-40B4-BE49-F238E27FC236}">
+                <a16:creationId xmlns:a16="http://schemas.microsoft.com/office/drawing/2014/main" id="{72E934D4-10AE-B05F-7E58-E89F8AE7A6DF}"/>
+              </a:ext>
+            </a:extLst>
+          </p:cNvPr>
+          <p:cNvPicPr>
+            <a:picLocks noChangeAspect="1"/>
+          </p:cNvPicPr>
+          <p:nvPr/>
+        </p:nvPicPr>
+        <p:blipFill>
+          <a:blip r:embed="rId2"/>
+          <a:stretch>
+            <a:fillRect/>
+          </a:stretch>
+        </p:blipFill>
+        <p:spPr>
+          <a:xfrm>
+            <a:off x="704097" y="604443"/>
+            <a:ext cx="10783805" cy="5649113"/>
+          </a:xfrm>
+          <a:prstGeom prst="rect">
+            <a:avLst/>
+          </a:prstGeom>
+        </p:spPr>
+      </p:pic>
+    </p:spTree>
+    <p:extLst>
+      <p:ext uri="{BB962C8B-B14F-4D97-AF65-F5344CB8AC3E}">
+        <p14:creationId xmlns:p14="http://schemas.microsoft.com/office/powerpoint/2010/main" val="2474391671"/>
+      </p:ext>
+    </p:extLst>
+  </p:cSld>
+  <p:clrMapOvr>
+    <a:masterClrMapping/>
+  </p:clrMapOvr>
+</p:sld>
+</file>
+
+<file path=ppt/slides/slide5.xml><?xml version="1.0" encoding="utf-8"?>
+<p:sld xmlns:a="http://schemas.openxmlformats.org/drawingml/2006/main" xmlns:r="http://schemas.openxmlformats.org/officeDocument/2006/relationships" xmlns:p="http://schemas.openxmlformats.org/presentationml/2006/main">
+  <p:cSld>
+    <p:spTree>
+      <p:nvGrpSpPr>
+        <p:cNvPr id="1" name=""/>
+        <p:cNvGrpSpPr/>
+        <p:nvPr/>
+      </p:nvGrpSpPr>
+      <p:grpSpPr>
+        <a:xfrm>
+          <a:off x="0" y="0"/>
+          <a:ext cx="0" cy="0"/>
+          <a:chOff x="0" y="0"/>
+          <a:chExt cx="0" cy="0"/>
+        </a:xfrm>
+      </p:grpSpPr>
+      <p:pic>
+        <p:nvPicPr>
+          <p:cNvPr id="5" name="Imagen 4">
+            <a:extLst>
+              <a:ext uri="{FF2B5EF4-FFF2-40B4-BE49-F238E27FC236}">
+                <a16:creationId xmlns:a16="http://schemas.microsoft.com/office/drawing/2014/main" id="{8DBC2C84-9313-D545-F1F5-0B47F8B23ECB}"/>
+              </a:ext>
+            </a:extLst>
+          </p:cNvPr>
+          <p:cNvPicPr>
+            <a:picLocks noChangeAspect="1"/>
+          </p:cNvPicPr>
+          <p:nvPr/>
+        </p:nvPicPr>
+        <p:blipFill>
+          <a:blip r:embed="rId2"/>
+          <a:stretch>
+            <a:fillRect/>
+          </a:stretch>
+        </p:blipFill>
+        <p:spPr>
+          <a:xfrm>
+            <a:off x="499742" y="503683"/>
+            <a:ext cx="11192515" cy="5850633"/>
+          </a:xfrm>
+          <a:prstGeom prst="rect">
+            <a:avLst/>
+          </a:prstGeom>
+        </p:spPr>
+      </p:pic>
+    </p:spTree>
+    <p:extLst>
+      <p:ext uri="{BB962C8B-B14F-4D97-AF65-F5344CB8AC3E}">
+        <p14:creationId xmlns:p14="http://schemas.microsoft.com/office/powerpoint/2010/main" val="138119387"/>
+      </p:ext>
+    </p:extLst>
+  </p:cSld>
+  <p:clrMapOvr>
+    <a:masterClrMapping/>
+  </p:clrMapOvr>
+</p:sld>
+</file>
+
+<file path=ppt/slides/slide6.xml><?xml version="1.0" encoding="utf-8"?>
+<p:sld xmlns:a="http://schemas.openxmlformats.org/drawingml/2006/main" xmlns:r="http://schemas.openxmlformats.org/officeDocument/2006/relationships" xmlns:p="http://schemas.openxmlformats.org/presentationml/2006/main">
+  <p:cSld>
+    <p:spTree>
+      <p:nvGrpSpPr>
+        <p:cNvPr id="1" name=""/>
+        <p:cNvGrpSpPr/>
+        <p:nvPr/>
+      </p:nvGrpSpPr>
+      <p:grpSpPr>
+        <a:xfrm>
+          <a:off x="0" y="0"/>
+          <a:ext cx="0" cy="0"/>
+          <a:chOff x="0" y="0"/>
+          <a:chExt cx="0" cy="0"/>
+        </a:xfrm>
+      </p:grpSpPr>
+      <p:pic>
+        <p:nvPicPr>
+          <p:cNvPr id="5" name="Imagen 4">
+            <a:extLst>
+              <a:ext uri="{FF2B5EF4-FFF2-40B4-BE49-F238E27FC236}">
+                <a16:creationId xmlns:a16="http://schemas.microsoft.com/office/drawing/2014/main" id="{C161A75F-82CA-341C-6A75-69B343117983}"/>
+              </a:ext>
+            </a:extLst>
+          </p:cNvPr>
+          <p:cNvPicPr>
+            <a:picLocks noChangeAspect="1"/>
+          </p:cNvPicPr>
+          <p:nvPr/>
+        </p:nvPicPr>
+        <p:blipFill>
+          <a:blip r:embed="rId2"/>
+          <a:stretch>
+            <a:fillRect/>
+          </a:stretch>
+        </p:blipFill>
+        <p:spPr>
+          <a:xfrm>
+            <a:off x="2042547" y="1018838"/>
+            <a:ext cx="8106906" cy="4820323"/>
+          </a:xfrm>
+          <a:prstGeom prst="rect">
+            <a:avLst/>
+          </a:prstGeom>
+        </p:spPr>
+      </p:pic>
+    </p:spTree>
+    <p:extLst>
+      <p:ext uri="{BB962C8B-B14F-4D97-AF65-F5344CB8AC3E}">
+        <p14:creationId xmlns:p14="http://schemas.microsoft.com/office/powerpoint/2010/main" val="3089316695"/>
+      </p:ext>
+    </p:extLst>
+  </p:cSld>
+  <p:clrMapOvr>
+    <a:masterClrMapping/>
+  </p:clrMapOvr>
+</p:sld>
+</file>
+
+<file path=ppt/slides/slide7.xml><?xml version="1.0" encoding="utf-8"?>
+<p:sld xmlns:a="http://schemas.openxmlformats.org/drawingml/2006/main" xmlns:r="http://schemas.openxmlformats.org/officeDocument/2006/relationships" xmlns:p="http://schemas.openxmlformats.org/presentationml/2006/main">
+  <p:cSld>
+    <p:spTree>
+      <p:nvGrpSpPr>
+        <p:cNvPr id="1" name=""/>
+        <p:cNvGrpSpPr/>
+        <p:nvPr/>
+      </p:nvGrpSpPr>
+      <p:grpSpPr>
+        <a:xfrm>
+          <a:off x="0" y="0"/>
+          <a:ext cx="0" cy="0"/>
+          <a:chOff x="0" y="0"/>
+          <a:chExt cx="0" cy="0"/>
+        </a:xfrm>
+      </p:grpSpPr>
+      <p:pic>
+        <p:nvPicPr>
+          <p:cNvPr id="3" name="Imagen 2">
+            <a:extLst>
+              <a:ext uri="{FF2B5EF4-FFF2-40B4-BE49-F238E27FC236}">
+                <a16:creationId xmlns:a16="http://schemas.microsoft.com/office/drawing/2014/main" id="{EE560CC3-ACB4-9C32-3F6C-5CD883524A4C}"/>
+              </a:ext>
+            </a:extLst>
+          </p:cNvPr>
+          <p:cNvPicPr>
+            <a:picLocks noChangeAspect="1"/>
+          </p:cNvPicPr>
+          <p:nvPr/>
+        </p:nvPicPr>
+        <p:blipFill>
+          <a:blip r:embed="rId2"/>
+          <a:stretch>
+            <a:fillRect/>
+          </a:stretch>
+        </p:blipFill>
+        <p:spPr>
+          <a:xfrm>
+            <a:off x="739180" y="208606"/>
+            <a:ext cx="10713639" cy="6440787"/>
+          </a:xfrm>
+          <a:prstGeom prst="rect">
+            <a:avLst/>
+          </a:prstGeom>
+        </p:spPr>
+      </p:pic>
+    </p:spTree>
+    <p:extLst>
+      <p:ext uri="{BB962C8B-B14F-4D97-AF65-F5344CB8AC3E}">
+        <p14:creationId xmlns:p14="http://schemas.microsoft.com/office/powerpoint/2010/main" val="3899360234"/>
+      </p:ext>
+    </p:extLst>
+  </p:cSld>
+  <p:clrMapOvr>
+    <a:masterClrMapping/>
+  </p:clrMapOvr>
+</p:sld>
+</file>
+
+<file path=ppt/slides/slide8.xml><?xml version="1.0" encoding="utf-8"?>
+<p:sld xmlns:a="http://schemas.openxmlformats.org/drawingml/2006/main" xmlns:r="http://schemas.openxmlformats.org/officeDocument/2006/relationships" xmlns:p="http://schemas.openxmlformats.org/presentationml/2006/main">
+  <p:cSld>
+    <p:spTree>
+      <p:nvGrpSpPr>
+        <p:cNvPr id="1" name=""/>
+        <p:cNvGrpSpPr/>
+        <p:nvPr/>
+      </p:nvGrpSpPr>
+      <p:grpSpPr>
+        <a:xfrm>
+          <a:off x="0" y="0"/>
+          <a:ext cx="0" cy="0"/>
+          <a:chOff x="0" y="0"/>
+          <a:chExt cx="0" cy="0"/>
+        </a:xfrm>
+      </p:grpSpPr>
+      <p:pic>
+        <p:nvPicPr>
+          <p:cNvPr id="3" name="Imagen 2">
+            <a:extLst>
+              <a:ext uri="{FF2B5EF4-FFF2-40B4-BE49-F238E27FC236}">
+                <a16:creationId xmlns:a16="http://schemas.microsoft.com/office/drawing/2014/main" id="{E08F918D-148B-BD2C-D82C-319DF5C1E97C}"/>
+              </a:ext>
+            </a:extLst>
+          </p:cNvPr>
+          <p:cNvPicPr>
+            <a:picLocks noChangeAspect="1"/>
+          </p:cNvPicPr>
+          <p:nvPr/>
+        </p:nvPicPr>
+        <p:blipFill>
+          <a:blip r:embed="rId2"/>
+          <a:stretch>
+            <a:fillRect/>
+          </a:stretch>
+        </p:blipFill>
+        <p:spPr>
+          <a:xfrm>
+            <a:off x="371428" y="391344"/>
+            <a:ext cx="11449144" cy="6075312"/>
+          </a:xfrm>
+          <a:prstGeom prst="rect">
+            <a:avLst/>
+          </a:prstGeom>
+        </p:spPr>
+      </p:pic>
+    </p:spTree>
+    <p:extLst>
+      <p:ext uri="{BB962C8B-B14F-4D97-AF65-F5344CB8AC3E}">
+        <p14:creationId xmlns:p14="http://schemas.microsoft.com/office/powerpoint/2010/main" val="4057336247"/>
+      </p:ext>
+    </p:extLst>
+  </p:cSld>
+  <p:clrMapOvr>
+    <a:masterClrMapping/>
+  </p:clrMapOvr>
+</p:sld>
+</file>
+
+<file path=ppt/slides/slide9.xml><?xml version="1.0" encoding="utf-8"?>
+<p:sld xmlns:a="http://schemas.openxmlformats.org/drawingml/2006/main" xmlns:r="http://schemas.openxmlformats.org/officeDocument/2006/relationships" xmlns:p="http://schemas.openxmlformats.org/presentationml/2006/main">
+  <p:cSld>
+    <p:spTree>
+      <p:nvGrpSpPr>
+        <p:cNvPr id="1" name=""/>
+        <p:cNvGrpSpPr/>
+        <p:nvPr/>
+      </p:nvGrpSpPr>
+      <p:grpSpPr>
+        <a:xfrm>
+          <a:off x="0" y="0"/>
+          <a:ext cx="0" cy="0"/>
+          <a:chOff x="0" y="0"/>
+          <a:chExt cx="0" cy="0"/>
+        </a:xfrm>
+      </p:grpSpPr>
+      <p:pic>
+        <p:nvPicPr>
+          <p:cNvPr id="3" name="Imagen 2">
+            <a:extLst>
+              <a:ext uri="{FF2B5EF4-FFF2-40B4-BE49-F238E27FC236}">
+                <a16:creationId xmlns:a16="http://schemas.microsoft.com/office/drawing/2014/main" id="{DE5B0E2A-78EE-0E1C-AF2A-95DDEA5DCE2C}"/>
+              </a:ext>
+            </a:extLst>
+          </p:cNvPr>
+          <p:cNvPicPr>
+            <a:picLocks noChangeAspect="1"/>
+          </p:cNvPicPr>
+          <p:nvPr/>
+        </p:nvPicPr>
+        <p:blipFill>
+          <a:blip r:embed="rId2"/>
+          <a:stretch>
+            <a:fillRect/>
+          </a:stretch>
+        </p:blipFill>
+        <p:spPr>
+          <a:xfrm>
+            <a:off x="415864" y="397536"/>
+            <a:ext cx="11360272" cy="6062928"/>
+          </a:xfrm>
+          <a:prstGeom prst="rect">
+            <a:avLst/>
+          </a:prstGeom>
+        </p:spPr>
+      </p:pic>
+    </p:spTree>
+    <p:extLst>
+      <p:ext uri="{BB962C8B-B14F-4D97-AF65-F5344CB8AC3E}">
+        <p14:creationId xmlns:p14="http://schemas.microsoft.com/office/powerpoint/2010/main" val="2710826429"/>
       </p:ext>
     </p:extLst>
   </p:cSld>

--- a/M6_MachineLearning/2_aprendizaje_supervisado.pptx
+++ b/M6_MachineLearning/2_aprendizaje_supervisado.pptx
@@ -17,7 +17,7 @@
     <p:sldId id="267" r:id="rId11"/>
     <p:sldId id="268" r:id="rId12"/>
     <p:sldId id="269" r:id="rId13"/>
-    <p:sldId id="265" r:id="rId14"/>
+    <p:sldId id="270" r:id="rId14"/>
   </p:sldIdLst>
   <p:sldSz cx="12192000" cy="6858000"/>
   <p:notesSz cx="6858000" cy="9144000"/>
@@ -273,7 +273,7 @@
           <a:p>
             <a:fld id="{02BAD1F3-6590-4E0C-A0D7-0F84CA70C5B7}" type="datetimeFigureOut">
               <a:rPr lang="es-MX" smtClean="0"/>
-              <a:t>26/09/2024</a:t>
+              <a:t>04/10/2024</a:t>
             </a:fld>
             <a:endParaRPr lang="es-MX"/>
           </a:p>
@@ -473,7 +473,7 @@
           <a:p>
             <a:fld id="{02BAD1F3-6590-4E0C-A0D7-0F84CA70C5B7}" type="datetimeFigureOut">
               <a:rPr lang="es-MX" smtClean="0"/>
-              <a:t>26/09/2024</a:t>
+              <a:t>04/10/2024</a:t>
             </a:fld>
             <a:endParaRPr lang="es-MX"/>
           </a:p>
@@ -683,7 +683,7 @@
           <a:p>
             <a:fld id="{02BAD1F3-6590-4E0C-A0D7-0F84CA70C5B7}" type="datetimeFigureOut">
               <a:rPr lang="es-MX" smtClean="0"/>
-              <a:t>26/09/2024</a:t>
+              <a:t>04/10/2024</a:t>
             </a:fld>
             <a:endParaRPr lang="es-MX"/>
           </a:p>
@@ -883,7 +883,7 @@
           <a:p>
             <a:fld id="{02BAD1F3-6590-4E0C-A0D7-0F84CA70C5B7}" type="datetimeFigureOut">
               <a:rPr lang="es-MX" smtClean="0"/>
-              <a:t>26/09/2024</a:t>
+              <a:t>04/10/2024</a:t>
             </a:fld>
             <a:endParaRPr lang="es-MX"/>
           </a:p>
@@ -1159,7 +1159,7 @@
           <a:p>
             <a:fld id="{02BAD1F3-6590-4E0C-A0D7-0F84CA70C5B7}" type="datetimeFigureOut">
               <a:rPr lang="es-MX" smtClean="0"/>
-              <a:t>26/09/2024</a:t>
+              <a:t>04/10/2024</a:t>
             </a:fld>
             <a:endParaRPr lang="es-MX"/>
           </a:p>
@@ -1427,7 +1427,7 @@
           <a:p>
             <a:fld id="{02BAD1F3-6590-4E0C-A0D7-0F84CA70C5B7}" type="datetimeFigureOut">
               <a:rPr lang="es-MX" smtClean="0"/>
-              <a:t>26/09/2024</a:t>
+              <a:t>04/10/2024</a:t>
             </a:fld>
             <a:endParaRPr lang="es-MX"/>
           </a:p>
@@ -1842,7 +1842,7 @@
           <a:p>
             <a:fld id="{02BAD1F3-6590-4E0C-A0D7-0F84CA70C5B7}" type="datetimeFigureOut">
               <a:rPr lang="es-MX" smtClean="0"/>
-              <a:t>26/09/2024</a:t>
+              <a:t>04/10/2024</a:t>
             </a:fld>
             <a:endParaRPr lang="es-MX"/>
           </a:p>
@@ -1984,7 +1984,7 @@
           <a:p>
             <a:fld id="{02BAD1F3-6590-4E0C-A0D7-0F84CA70C5B7}" type="datetimeFigureOut">
               <a:rPr lang="es-MX" smtClean="0"/>
-              <a:t>26/09/2024</a:t>
+              <a:t>04/10/2024</a:t>
             </a:fld>
             <a:endParaRPr lang="es-MX"/>
           </a:p>
@@ -2097,7 +2097,7 @@
           <a:p>
             <a:fld id="{02BAD1F3-6590-4E0C-A0D7-0F84CA70C5B7}" type="datetimeFigureOut">
               <a:rPr lang="es-MX" smtClean="0"/>
-              <a:t>26/09/2024</a:t>
+              <a:t>04/10/2024</a:t>
             </a:fld>
             <a:endParaRPr lang="es-MX"/>
           </a:p>
@@ -2410,7 +2410,7 @@
           <a:p>
             <a:fld id="{02BAD1F3-6590-4E0C-A0D7-0F84CA70C5B7}" type="datetimeFigureOut">
               <a:rPr lang="es-MX" smtClean="0"/>
-              <a:t>26/09/2024</a:t>
+              <a:t>04/10/2024</a:t>
             </a:fld>
             <a:endParaRPr lang="es-MX"/>
           </a:p>
@@ -2699,7 +2699,7 @@
           <a:p>
             <a:fld id="{02BAD1F3-6590-4E0C-A0D7-0F84CA70C5B7}" type="datetimeFigureOut">
               <a:rPr lang="es-MX" smtClean="0"/>
-              <a:t>26/09/2024</a:t>
+              <a:t>04/10/2024</a:t>
             </a:fld>
             <a:endParaRPr lang="es-MX"/>
           </a:p>
@@ -2942,7 +2942,7 @@
           <a:p>
             <a:fld id="{02BAD1F3-6590-4E0C-A0D7-0F84CA70C5B7}" type="datetimeFigureOut">
               <a:rPr lang="es-MX" smtClean="0"/>
-              <a:t>26/09/2024</a:t>
+              <a:t>04/10/2024</a:t>
             </a:fld>
             <a:endParaRPr lang="es-MX"/>
           </a:p>
@@ -3704,10 +3704,113 @@
           <a:chExt cx="0" cy="0"/>
         </a:xfrm>
       </p:grpSpPr>
+      <p:sp>
+        <p:nvSpPr>
+          <p:cNvPr id="3" name="Marcador de contenido 2">
+            <a:extLst>
+              <a:ext uri="{FF2B5EF4-FFF2-40B4-BE49-F238E27FC236}">
+                <a16:creationId xmlns:a16="http://schemas.microsoft.com/office/drawing/2014/main" id="{B18C9F72-6DDA-B91F-1DE8-7530DC7D4A87}"/>
+              </a:ext>
+            </a:extLst>
+          </p:cNvPr>
+          <p:cNvSpPr>
+            <a:spLocks noGrp="1"/>
+          </p:cNvSpPr>
+          <p:nvPr>
+            <p:ph idx="1"/>
+          </p:nvPr>
+        </p:nvSpPr>
+        <p:spPr>
+          <a:xfrm>
+            <a:off x="759759" y="1234456"/>
+            <a:ext cx="10992970" cy="4389088"/>
+          </a:xfrm>
+        </p:spPr>
+        <p:txBody>
+          <a:bodyPr>
+            <a:normAutofit/>
+          </a:bodyPr>
+          <a:lstStyle/>
+          <a:p>
+            <a:pPr marL="0" indent="0">
+              <a:buNone/>
+            </a:pPr>
+            <a:r>
+              <a:rPr lang="es-MX" b="0" i="0" dirty="0" err="1">
+                <a:solidFill>
+                  <a:srgbClr val="00B050"/>
+                </a:solidFill>
+                <a:effectLst/>
+                <a:latin typeface="-apple-system"/>
+              </a:rPr>
+              <a:t>KMeans</a:t>
+            </a:r>
+            <a:endParaRPr lang="es-MX" dirty="0">
+              <a:solidFill>
+                <a:srgbClr val="00B050"/>
+              </a:solidFill>
+              <a:hlinkClick r:id="rId2">
+                <a:extLst>
+                  <a:ext uri="{A12FA001-AC4F-418D-AE19-62706E023703}">
+                    <ahyp:hlinkClr xmlns:ahyp="http://schemas.microsoft.com/office/drawing/2018/hyperlinkcolor" val="tx"/>
+                  </a:ext>
+                </a:extLst>
+              </a:hlinkClick>
+            </a:endParaRPr>
+          </a:p>
+          <a:p>
+            <a:r>
+              <a:rPr lang="es-MX" dirty="0">
+                <a:hlinkClick r:id="rId3"/>
+              </a:rPr>
+              <a:t>https://scikit-learn.org/stable/modules/generated/sklearn.cluster.KMeans.html</a:t>
+            </a:r>
+            <a:endParaRPr lang="es-MX" dirty="0"/>
+          </a:p>
+          <a:p>
+            <a:endParaRPr lang="es-MX" dirty="0"/>
+          </a:p>
+          <a:p>
+            <a:pPr marL="0" indent="0">
+              <a:buNone/>
+            </a:pPr>
+            <a:r>
+              <a:rPr lang="es-MX" b="0" i="0" dirty="0">
+                <a:solidFill>
+                  <a:srgbClr val="00B050"/>
+                </a:solidFill>
+                <a:effectLst/>
+                <a:latin typeface="-apple-system"/>
+              </a:rPr>
+              <a:t>PCA</a:t>
+            </a:r>
+            <a:endParaRPr lang="es-MX" dirty="0">
+              <a:solidFill>
+                <a:srgbClr val="00B050"/>
+              </a:solidFill>
+            </a:endParaRPr>
+          </a:p>
+          <a:p>
+            <a:r>
+              <a:rPr lang="es-MX" dirty="0">
+                <a:hlinkClick r:id="rId4"/>
+              </a:rPr>
+              <a:t>https://scikit-learn.org/stable/modules/generated/sklearn.decomposition.PCA.html</a:t>
+            </a:r>
+            <a:endParaRPr lang="es-MX" dirty="0"/>
+          </a:p>
+          <a:p>
+            <a:pPr marL="0" indent="0">
+              <a:buNone/>
+            </a:pPr>
+            <a:endParaRPr lang="es-MX" dirty="0"/>
+          </a:p>
+        </p:txBody>
+      </p:sp>
     </p:spTree>
     <p:extLst>
       <p:ext uri="{BB962C8B-B14F-4D97-AF65-F5344CB8AC3E}">
-        <p14:creationId xmlns:p14="http://schemas.microsoft.com/office/powerpoint/2010/main" val="2688802310"/>
+        <p14:creationId xmlns:p14="http://schemas.microsoft.com/office/powerpoint/2010/main" val="3566645865"/>
       </p:ext>
     </p:extLst>
   </p:cSld>
